--- a/Slides/Class16.pptx
+++ b/Slides/Class16.pptx
@@ -227,7 +227,7 @@
           <a:p>
             <a:fld id="{C24322AF-E05B-7249-906C-FBAC6154C037}" type="datetimeFigureOut">
               <a:rPr lang="en-US" smtClean="0"/>
-              <a:t>12/11/18</a:t>
+              <a:t>1/24/21</a:t>
             </a:fld>
             <a:endParaRPr lang="en-US"/>
           </a:p>
@@ -393,7 +393,7 @@
             <a:fld id="{06A43BE5-3BD4-F642-8751-88A31D8D6D13}" type="datetimeFigureOut">
               <a:rPr lang="en-US" smtClean="0"/>
               <a:pPr/>
-              <a:t>12/11/18</a:t>
+              <a:t>1/24/21</a:t>
             </a:fld>
             <a:endParaRPr lang="en-US"/>
           </a:p>
@@ -936,7 +936,7 @@
             <a:fld id="{A4FA2B0E-4818-9849-9CF1-1031FD4E1DAB}" type="datetimeFigureOut">
               <a:rPr lang="en-US" smtClean="0"/>
               <a:pPr/>
-              <a:t>12/11/18</a:t>
+              <a:t>1/24/21</a:t>
             </a:fld>
             <a:endParaRPr lang="en-US"/>
           </a:p>
@@ -1101,7 +1101,7 @@
             <a:fld id="{A4FA2B0E-4818-9849-9CF1-1031FD4E1DAB}" type="datetimeFigureOut">
               <a:rPr lang="en-US" smtClean="0"/>
               <a:pPr/>
-              <a:t>12/11/18</a:t>
+              <a:t>1/24/21</a:t>
             </a:fld>
             <a:endParaRPr lang="en-US"/>
           </a:p>
@@ -1276,7 +1276,7 @@
             <a:fld id="{A4FA2B0E-4818-9849-9CF1-1031FD4E1DAB}" type="datetimeFigureOut">
               <a:rPr lang="en-US" smtClean="0"/>
               <a:pPr/>
-              <a:t>12/11/18</a:t>
+              <a:t>1/24/21</a:t>
             </a:fld>
             <a:endParaRPr lang="en-US"/>
           </a:p>
@@ -1441,7 +1441,7 @@
             <a:fld id="{A4FA2B0E-4818-9849-9CF1-1031FD4E1DAB}" type="datetimeFigureOut">
               <a:rPr lang="en-US" smtClean="0"/>
               <a:pPr/>
-              <a:t>12/11/18</a:t>
+              <a:t>1/24/21</a:t>
             </a:fld>
             <a:endParaRPr lang="en-US"/>
           </a:p>
@@ -1683,7 +1683,7 @@
             <a:fld id="{A4FA2B0E-4818-9849-9CF1-1031FD4E1DAB}" type="datetimeFigureOut">
               <a:rPr lang="en-US" smtClean="0"/>
               <a:pPr/>
-              <a:t>12/11/18</a:t>
+              <a:t>1/24/21</a:t>
             </a:fld>
             <a:endParaRPr lang="en-US"/>
           </a:p>
@@ -1965,7 +1965,7 @@
             <a:fld id="{A4FA2B0E-4818-9849-9CF1-1031FD4E1DAB}" type="datetimeFigureOut">
               <a:rPr lang="en-US" smtClean="0"/>
               <a:pPr/>
-              <a:t>12/11/18</a:t>
+              <a:t>1/24/21</a:t>
             </a:fld>
             <a:endParaRPr lang="en-US"/>
           </a:p>
@@ -2381,7 +2381,7 @@
             <a:fld id="{A4FA2B0E-4818-9849-9CF1-1031FD4E1DAB}" type="datetimeFigureOut">
               <a:rPr lang="en-US" smtClean="0"/>
               <a:pPr/>
-              <a:t>12/11/18</a:t>
+              <a:t>1/24/21</a:t>
             </a:fld>
             <a:endParaRPr lang="en-US"/>
           </a:p>
@@ -2495,7 +2495,7 @@
             <a:fld id="{A4FA2B0E-4818-9849-9CF1-1031FD4E1DAB}" type="datetimeFigureOut">
               <a:rPr lang="en-US" smtClean="0"/>
               <a:pPr/>
-              <a:t>12/11/18</a:t>
+              <a:t>1/24/21</a:t>
             </a:fld>
             <a:endParaRPr lang="en-US"/>
           </a:p>
@@ -2587,7 +2587,7 @@
             <a:fld id="{A4FA2B0E-4818-9849-9CF1-1031FD4E1DAB}" type="datetimeFigureOut">
               <a:rPr lang="en-US" smtClean="0"/>
               <a:pPr/>
-              <a:t>12/11/18</a:t>
+              <a:t>1/24/21</a:t>
             </a:fld>
             <a:endParaRPr lang="en-US"/>
           </a:p>
@@ -2859,7 +2859,7 @@
             <a:fld id="{A4FA2B0E-4818-9849-9CF1-1031FD4E1DAB}" type="datetimeFigureOut">
               <a:rPr lang="en-US" smtClean="0"/>
               <a:pPr/>
-              <a:t>12/11/18</a:t>
+              <a:t>1/24/21</a:t>
             </a:fld>
             <a:endParaRPr lang="en-US"/>
           </a:p>
@@ -3108,7 +3108,7 @@
             <a:fld id="{A4FA2B0E-4818-9849-9CF1-1031FD4E1DAB}" type="datetimeFigureOut">
               <a:rPr lang="en-US" smtClean="0"/>
               <a:pPr/>
-              <a:t>12/11/18</a:t>
+              <a:t>1/24/21</a:t>
             </a:fld>
             <a:endParaRPr lang="en-US"/>
           </a:p>
@@ -3316,7 +3316,7 @@
             <a:fld id="{A4FA2B0E-4818-9849-9CF1-1031FD4E1DAB}" type="datetimeFigureOut">
               <a:rPr lang="en-US" smtClean="0"/>
               <a:pPr/>
-              <a:t>12/11/18</a:t>
+              <a:t>1/24/21</a:t>
             </a:fld>
             <a:endParaRPr lang="en-US"/>
           </a:p>
@@ -3817,7 +3817,7 @@
         <p:spPr>
           <a:xfrm>
             <a:off x="275549" y="191702"/>
-            <a:ext cx="6263831" cy="553998"/>
+            <a:ext cx="5218288" cy="553998"/>
           </a:xfrm>
           <a:prstGeom prst="rect">
             <a:avLst/>
@@ -3838,7 +3838,7 @@
                 <a:latin typeface="Times New Roman"/>
                 <a:cs typeface="Times New Roman"/>
               </a:rPr>
-              <a:t>Written Summaries &amp; Presentations</a:t>
+              <a:t>Research Article Presentations</a:t>
             </a:r>
             <a:endParaRPr lang="en-US" sz="2400" b="1" dirty="0">
               <a:solidFill>
@@ -3865,7 +3865,7 @@
         <p:spPr>
           <a:xfrm>
             <a:off x="539603" y="945629"/>
-            <a:ext cx="8450017" cy="2462213"/>
+            <a:ext cx="8450017" cy="1477328"/>
           </a:xfrm>
           <a:prstGeom prst="rect">
             <a:avLst/>
@@ -3888,7 +3888,7 @@
                 <a:ea typeface="MS Mincho" panose="02020609040205080304" pitchFamily="49" charset="-128"/>
                 <a:cs typeface="Times New Roman" panose="02020603050405020304" pitchFamily="18" charset="0"/>
               </a:rPr>
-              <a:t>Last class: presentation on research article (part I)</a:t>
+              <a:t>Today: presentation on research article (part I)</a:t>
             </a:r>
           </a:p>
           <a:p>
@@ -3919,62 +3919,12 @@
               <a:t>Every presentation will have at least two students asking questions and two students providing feedback</a:t>
             </a:r>
           </a:p>
-          <a:p>
-            <a:pPr marL="342900" indent="-342900">
-              <a:buFont typeface="Arial" panose="020B0604020202020204" pitchFamily="34" charset="0"/>
-              <a:buChar char="•"/>
-            </a:pPr>
-            <a:endParaRPr lang="en-US" sz="800" dirty="0">
-              <a:latin typeface="Times New Roman" panose="02020603050405020304" pitchFamily="18" charset="0"/>
-              <a:ea typeface="MS Mincho" panose="02020609040205080304" pitchFamily="49" charset="-128"/>
-              <a:cs typeface="Times New Roman" panose="02020603050405020304" pitchFamily="18" charset="0"/>
-            </a:endParaRPr>
-          </a:p>
-          <a:p>
-            <a:pPr marL="342900" indent="-342900">
-              <a:buFont typeface="Arial" panose="020B0604020202020204" pitchFamily="34" charset="0"/>
-              <a:buChar char="•"/>
-            </a:pPr>
-            <a:r>
-              <a:rPr lang="en-US" sz="2400" dirty="0">
-                <a:latin typeface="Times New Roman" panose="02020603050405020304" pitchFamily="18" charset="0"/>
-                <a:ea typeface="MS Mincho" panose="02020609040205080304" pitchFamily="49" charset="-128"/>
-                <a:cs typeface="Times New Roman" panose="02020603050405020304" pitchFamily="18" charset="0"/>
-              </a:rPr>
-              <a:t>Today: presentation on research article (part II)</a:t>
-            </a:r>
-          </a:p>
-          <a:p>
-            <a:pPr marL="342900" indent="-342900">
-              <a:buFont typeface="Arial" panose="020B0604020202020204" pitchFamily="34" charset="0"/>
-              <a:buChar char="•"/>
-            </a:pPr>
-            <a:endParaRPr lang="en-US" sz="800" dirty="0">
-              <a:latin typeface="Times New Roman" panose="02020603050405020304" pitchFamily="18" charset="0"/>
-              <a:ea typeface="MS Mincho" panose="02020609040205080304" pitchFamily="49" charset="-128"/>
-              <a:cs typeface="Times New Roman" panose="02020603050405020304" pitchFamily="18" charset="0"/>
-            </a:endParaRPr>
-          </a:p>
-          <a:p>
-            <a:pPr marL="342900" indent="-342900">
-              <a:buFont typeface="Arial" panose="020B0604020202020204" pitchFamily="34" charset="0"/>
-              <a:buChar char="•"/>
-            </a:pPr>
-            <a:r>
-              <a:rPr lang="en-US" sz="2400" dirty="0">
-                <a:latin typeface="Times New Roman" panose="02020603050405020304" pitchFamily="18" charset="0"/>
-                <a:ea typeface="MS Mincho" panose="02020609040205080304" pitchFamily="49" charset="-128"/>
-                <a:cs typeface="Times New Roman" panose="02020603050405020304" pitchFamily="18" charset="0"/>
-              </a:rPr>
-              <a:t>Next class: presentation on research article (part III)</a:t>
-            </a:r>
-          </a:p>
         </p:txBody>
       </p:sp>
     </p:spTree>
     <p:extLst>
       <p:ext uri="{BB962C8B-B14F-4D97-AF65-F5344CB8AC3E}">
-        <p14:creationId xmlns:p14="http://schemas.microsoft.com/office/powerpoint/2010/main" val="2561974156"/>
+        <p14:creationId xmlns:p14="http://schemas.microsoft.com/office/powerpoint/2010/main" val="4185340015"/>
       </p:ext>
     </p:extLst>
   </p:cSld>

--- a/Slides/Class16.pptx
+++ b/Slides/Class16.pptx
@@ -227,7 +227,7 @@
           <a:p>
             <a:fld id="{C24322AF-E05B-7249-906C-FBAC6154C037}" type="datetimeFigureOut">
               <a:rPr lang="en-US" smtClean="0"/>
-              <a:t>1/24/21</a:t>
+              <a:t>6/18/25</a:t>
             </a:fld>
             <a:endParaRPr lang="en-US"/>
           </a:p>
@@ -393,7 +393,7 @@
             <a:fld id="{06A43BE5-3BD4-F642-8751-88A31D8D6D13}" type="datetimeFigureOut">
               <a:rPr lang="en-US" smtClean="0"/>
               <a:pPr/>
-              <a:t>1/24/21</a:t>
+              <a:t>6/18/25</a:t>
             </a:fld>
             <a:endParaRPr lang="en-US"/>
           </a:p>
@@ -936,7 +936,7 @@
             <a:fld id="{A4FA2B0E-4818-9849-9CF1-1031FD4E1DAB}" type="datetimeFigureOut">
               <a:rPr lang="en-US" smtClean="0"/>
               <a:pPr/>
-              <a:t>1/24/21</a:t>
+              <a:t>6/18/25</a:t>
             </a:fld>
             <a:endParaRPr lang="en-US"/>
           </a:p>
@@ -1101,7 +1101,7 @@
             <a:fld id="{A4FA2B0E-4818-9849-9CF1-1031FD4E1DAB}" type="datetimeFigureOut">
               <a:rPr lang="en-US" smtClean="0"/>
               <a:pPr/>
-              <a:t>1/24/21</a:t>
+              <a:t>6/18/25</a:t>
             </a:fld>
             <a:endParaRPr lang="en-US"/>
           </a:p>
@@ -1276,7 +1276,7 @@
             <a:fld id="{A4FA2B0E-4818-9849-9CF1-1031FD4E1DAB}" type="datetimeFigureOut">
               <a:rPr lang="en-US" smtClean="0"/>
               <a:pPr/>
-              <a:t>1/24/21</a:t>
+              <a:t>6/18/25</a:t>
             </a:fld>
             <a:endParaRPr lang="en-US"/>
           </a:p>
@@ -1441,7 +1441,7 @@
             <a:fld id="{A4FA2B0E-4818-9849-9CF1-1031FD4E1DAB}" type="datetimeFigureOut">
               <a:rPr lang="en-US" smtClean="0"/>
               <a:pPr/>
-              <a:t>1/24/21</a:t>
+              <a:t>6/18/25</a:t>
             </a:fld>
             <a:endParaRPr lang="en-US"/>
           </a:p>
@@ -1683,7 +1683,7 @@
             <a:fld id="{A4FA2B0E-4818-9849-9CF1-1031FD4E1DAB}" type="datetimeFigureOut">
               <a:rPr lang="en-US" smtClean="0"/>
               <a:pPr/>
-              <a:t>1/24/21</a:t>
+              <a:t>6/18/25</a:t>
             </a:fld>
             <a:endParaRPr lang="en-US"/>
           </a:p>
@@ -1965,7 +1965,7 @@
             <a:fld id="{A4FA2B0E-4818-9849-9CF1-1031FD4E1DAB}" type="datetimeFigureOut">
               <a:rPr lang="en-US" smtClean="0"/>
               <a:pPr/>
-              <a:t>1/24/21</a:t>
+              <a:t>6/18/25</a:t>
             </a:fld>
             <a:endParaRPr lang="en-US"/>
           </a:p>
@@ -2381,7 +2381,7 @@
             <a:fld id="{A4FA2B0E-4818-9849-9CF1-1031FD4E1DAB}" type="datetimeFigureOut">
               <a:rPr lang="en-US" smtClean="0"/>
               <a:pPr/>
-              <a:t>1/24/21</a:t>
+              <a:t>6/18/25</a:t>
             </a:fld>
             <a:endParaRPr lang="en-US"/>
           </a:p>
@@ -2495,7 +2495,7 @@
             <a:fld id="{A4FA2B0E-4818-9849-9CF1-1031FD4E1DAB}" type="datetimeFigureOut">
               <a:rPr lang="en-US" smtClean="0"/>
               <a:pPr/>
-              <a:t>1/24/21</a:t>
+              <a:t>6/18/25</a:t>
             </a:fld>
             <a:endParaRPr lang="en-US"/>
           </a:p>
@@ -2587,7 +2587,7 @@
             <a:fld id="{A4FA2B0E-4818-9849-9CF1-1031FD4E1DAB}" type="datetimeFigureOut">
               <a:rPr lang="en-US" smtClean="0"/>
               <a:pPr/>
-              <a:t>1/24/21</a:t>
+              <a:t>6/18/25</a:t>
             </a:fld>
             <a:endParaRPr lang="en-US"/>
           </a:p>
@@ -2859,7 +2859,7 @@
             <a:fld id="{A4FA2B0E-4818-9849-9CF1-1031FD4E1DAB}" type="datetimeFigureOut">
               <a:rPr lang="en-US" smtClean="0"/>
               <a:pPr/>
-              <a:t>1/24/21</a:t>
+              <a:t>6/18/25</a:t>
             </a:fld>
             <a:endParaRPr lang="en-US"/>
           </a:p>
@@ -3108,7 +3108,7 @@
             <a:fld id="{A4FA2B0E-4818-9849-9CF1-1031FD4E1DAB}" type="datetimeFigureOut">
               <a:rPr lang="en-US" smtClean="0"/>
               <a:pPr/>
-              <a:t>1/24/21</a:t>
+              <a:t>6/18/25</a:t>
             </a:fld>
             <a:endParaRPr lang="en-US"/>
           </a:p>
@@ -3316,7 +3316,7 @@
             <a:fld id="{A4FA2B0E-4818-9849-9CF1-1031FD4E1DAB}" type="datetimeFigureOut">
               <a:rPr lang="en-US" smtClean="0"/>
               <a:pPr/>
-              <a:t>1/24/21</a:t>
+              <a:t>6/18/25</a:t>
             </a:fld>
             <a:endParaRPr lang="en-US"/>
           </a:p>
